--- a/OptimalALDataProportionsLangDoc.pptx
+++ b/OptimalALDataProportionsLangDoc.pptx
@@ -13,12 +13,13 @@
     <p:sldId id="262" r:id="rId7"/>
     <p:sldId id="263" r:id="rId8"/>
     <p:sldId id="264" r:id="rId9"/>
-    <p:sldId id="260" r:id="rId10"/>
-    <p:sldId id="265" r:id="rId11"/>
-    <p:sldId id="271" r:id="rId12"/>
-    <p:sldId id="266" r:id="rId13"/>
-    <p:sldId id="267" r:id="rId14"/>
-    <p:sldId id="269" r:id="rId15"/>
+    <p:sldId id="272" r:id="rId10"/>
+    <p:sldId id="260" r:id="rId11"/>
+    <p:sldId id="265" r:id="rId12"/>
+    <p:sldId id="271" r:id="rId13"/>
+    <p:sldId id="266" r:id="rId14"/>
+    <p:sldId id="267" r:id="rId15"/>
+    <p:sldId id="269" r:id="rId16"/>
   </p:sldIdLst>
   <p:sldSz cx="12192000" cy="6858000"/>
   <p:notesSz cx="6858000" cy="9144000"/>
@@ -130,6 +131,7 @@
             <p14:sldId id="262"/>
             <p14:sldId id="263"/>
             <p14:sldId id="264"/>
+            <p14:sldId id="272"/>
           </p14:sldIdLst>
         </p14:section>
         <p14:section name="Early-Stage" id="{03810962-BD51-4B00-BB1B-61E3CEF5B020}">
@@ -522,6 +524,30 @@
     </pc:docChg>
   </pc:docChgLst>
   <pc:docChgLst>
+    <pc:chgData name="Liu, Zoey" userId="S::liu.ying@ufl.edu::52d727fb-1235-46c3-b24e-382c82a7c93b" providerId="AD" clId="Web-{648A19E2-6B5D-05EA-085F-AE255419571D}"/>
+    <pc:docChg chg="modSld">
+      <pc:chgData name="Liu, Zoey" userId="S::liu.ying@ufl.edu::52d727fb-1235-46c3-b24e-382c82a7c93b" providerId="AD" clId="Web-{648A19E2-6B5D-05EA-085F-AE255419571D}" dt="2024-06-06T20:53:18.801" v="2" actId="20577"/>
+      <pc:docMkLst>
+        <pc:docMk/>
+      </pc:docMkLst>
+      <pc:sldChg chg="modSp">
+        <pc:chgData name="Liu, Zoey" userId="S::liu.ying@ufl.edu::52d727fb-1235-46c3-b24e-382c82a7c93b" providerId="AD" clId="Web-{648A19E2-6B5D-05EA-085F-AE255419571D}" dt="2024-06-06T20:53:18.801" v="2" actId="20577"/>
+        <pc:sldMkLst>
+          <pc:docMk/>
+          <pc:sldMk cId="3004382345" sldId="271"/>
+        </pc:sldMkLst>
+        <pc:spChg chg="mod">
+          <ac:chgData name="Liu, Zoey" userId="S::liu.ying@ufl.edu::52d727fb-1235-46c3-b24e-382c82a7c93b" providerId="AD" clId="Web-{648A19E2-6B5D-05EA-085F-AE255419571D}" dt="2024-06-06T20:53:18.801" v="2" actId="20577"/>
+          <ac:spMkLst>
+            <pc:docMk/>
+            <pc:sldMk cId="3004382345" sldId="271"/>
+            <ac:spMk id="3" creationId="{7B293BE8-0BB0-7670-8123-7D773125AD38}"/>
+          </ac:spMkLst>
+        </pc:spChg>
+      </pc:sldChg>
+    </pc:docChg>
+  </pc:docChgLst>
+  <pc:docChgLst>
     <pc:chgData name="Moeller, Sarah R." userId="a5f96d2f-8f0b-4942-9d6d-dcc6cc496faf" providerId="ADAL" clId="{01064099-70E5-484B-B035-C3DC45CEEA77}"/>
     <pc:docChg chg="custSel modSld">
       <pc:chgData name="Moeller, Sarah R." userId="a5f96d2f-8f0b-4942-9d6d-dcc6cc496faf" providerId="ADAL" clId="{01064099-70E5-484B-B035-C3DC45CEEA77}" dt="2024-07-22T21:05:31.422" v="41" actId="6549"/>
@@ -540,30 +566,6 @@
             <pc:docMk/>
             <pc:sldMk cId="2712548168" sldId="269"/>
             <ac:spMk id="3" creationId="{2E20582F-055F-38C3-7D1C-CF7DD13E5727}"/>
-          </ac:spMkLst>
-        </pc:spChg>
-      </pc:sldChg>
-    </pc:docChg>
-  </pc:docChgLst>
-  <pc:docChgLst>
-    <pc:chgData name="Liu, Zoey" userId="S::liu.ying@ufl.edu::52d727fb-1235-46c3-b24e-382c82a7c93b" providerId="AD" clId="Web-{648A19E2-6B5D-05EA-085F-AE255419571D}"/>
-    <pc:docChg chg="modSld">
-      <pc:chgData name="Liu, Zoey" userId="S::liu.ying@ufl.edu::52d727fb-1235-46c3-b24e-382c82a7c93b" providerId="AD" clId="Web-{648A19E2-6B5D-05EA-085F-AE255419571D}" dt="2024-06-06T20:53:18.801" v="2" actId="20577"/>
-      <pc:docMkLst>
-        <pc:docMk/>
-      </pc:docMkLst>
-      <pc:sldChg chg="modSp">
-        <pc:chgData name="Liu, Zoey" userId="S::liu.ying@ufl.edu::52d727fb-1235-46c3-b24e-382c82a7c93b" providerId="AD" clId="Web-{648A19E2-6B5D-05EA-085F-AE255419571D}" dt="2024-06-06T20:53:18.801" v="2" actId="20577"/>
-        <pc:sldMkLst>
-          <pc:docMk/>
-          <pc:sldMk cId="3004382345" sldId="271"/>
-        </pc:sldMkLst>
-        <pc:spChg chg="mod">
-          <ac:chgData name="Liu, Zoey" userId="S::liu.ying@ufl.edu::52d727fb-1235-46c3-b24e-382c82a7c93b" providerId="AD" clId="Web-{648A19E2-6B5D-05EA-085F-AE255419571D}" dt="2024-06-06T20:53:18.801" v="2" actId="20577"/>
-          <ac:spMkLst>
-            <pc:docMk/>
-            <pc:sldMk cId="3004382345" sldId="271"/>
-            <ac:spMk id="3" creationId="{7B293BE8-0BB0-7670-8123-7D773125AD38}"/>
           </ac:spMkLst>
         </pc:spChg>
       </pc:sldChg>
@@ -719,7 +721,7 @@
           <a:p>
             <a:fld id="{06F2191C-CA17-441C-B38F-B6F09A58AE12}" type="datetimeFigureOut">
               <a:rPr lang="en-US" smtClean="0"/>
-              <a:t>7/22/2024</a:t>
+              <a:t>7/30/2024</a:t>
             </a:fld>
             <a:endParaRPr lang="en-US"/>
           </a:p>
@@ -917,7 +919,7 @@
           <a:p>
             <a:fld id="{06F2191C-CA17-441C-B38F-B6F09A58AE12}" type="datetimeFigureOut">
               <a:rPr lang="en-US" smtClean="0"/>
-              <a:t>7/22/2024</a:t>
+              <a:t>7/30/2024</a:t>
             </a:fld>
             <a:endParaRPr lang="en-US"/>
           </a:p>
@@ -1125,7 +1127,7 @@
           <a:p>
             <a:fld id="{06F2191C-CA17-441C-B38F-B6F09A58AE12}" type="datetimeFigureOut">
               <a:rPr lang="en-US" smtClean="0"/>
-              <a:t>7/22/2024</a:t>
+              <a:t>7/30/2024</a:t>
             </a:fld>
             <a:endParaRPr lang="en-US"/>
           </a:p>
@@ -1323,7 +1325,7 @@
           <a:p>
             <a:fld id="{06F2191C-CA17-441C-B38F-B6F09A58AE12}" type="datetimeFigureOut">
               <a:rPr lang="en-US" smtClean="0"/>
-              <a:t>7/22/2024</a:t>
+              <a:t>7/30/2024</a:t>
             </a:fld>
             <a:endParaRPr lang="en-US"/>
           </a:p>
@@ -1598,7 +1600,7 @@
           <a:p>
             <a:fld id="{06F2191C-CA17-441C-B38F-B6F09A58AE12}" type="datetimeFigureOut">
               <a:rPr lang="en-US" smtClean="0"/>
-              <a:t>7/22/2024</a:t>
+              <a:t>7/30/2024</a:t>
             </a:fld>
             <a:endParaRPr lang="en-US"/>
           </a:p>
@@ -1863,7 +1865,7 @@
           <a:p>
             <a:fld id="{06F2191C-CA17-441C-B38F-B6F09A58AE12}" type="datetimeFigureOut">
               <a:rPr lang="en-US" smtClean="0"/>
-              <a:t>7/22/2024</a:t>
+              <a:t>7/30/2024</a:t>
             </a:fld>
             <a:endParaRPr lang="en-US"/>
           </a:p>
@@ -2275,7 +2277,7 @@
           <a:p>
             <a:fld id="{06F2191C-CA17-441C-B38F-B6F09A58AE12}" type="datetimeFigureOut">
               <a:rPr lang="en-US" smtClean="0"/>
-              <a:t>7/22/2024</a:t>
+              <a:t>7/30/2024</a:t>
             </a:fld>
             <a:endParaRPr lang="en-US"/>
           </a:p>
@@ -2416,7 +2418,7 @@
           <a:p>
             <a:fld id="{06F2191C-CA17-441C-B38F-B6F09A58AE12}" type="datetimeFigureOut">
               <a:rPr lang="en-US" smtClean="0"/>
-              <a:t>7/22/2024</a:t>
+              <a:t>7/30/2024</a:t>
             </a:fld>
             <a:endParaRPr lang="en-US"/>
           </a:p>
@@ -2529,7 +2531,7 @@
           <a:p>
             <a:fld id="{06F2191C-CA17-441C-B38F-B6F09A58AE12}" type="datetimeFigureOut">
               <a:rPr lang="en-US" smtClean="0"/>
-              <a:t>7/22/2024</a:t>
+              <a:t>7/30/2024</a:t>
             </a:fld>
             <a:endParaRPr lang="en-US"/>
           </a:p>
@@ -2840,7 +2842,7 @@
           <a:p>
             <a:fld id="{06F2191C-CA17-441C-B38F-B6F09A58AE12}" type="datetimeFigureOut">
               <a:rPr lang="en-US" smtClean="0"/>
-              <a:t>7/22/2024</a:t>
+              <a:t>7/30/2024</a:t>
             </a:fld>
             <a:endParaRPr lang="en-US"/>
           </a:p>
@@ -3128,7 +3130,7 @@
           <a:p>
             <a:fld id="{06F2191C-CA17-441C-B38F-B6F09A58AE12}" type="datetimeFigureOut">
               <a:rPr lang="en-US" smtClean="0"/>
-              <a:t>7/22/2024</a:t>
+              <a:t>7/30/2024</a:t>
             </a:fld>
             <a:endParaRPr lang="en-US"/>
           </a:p>
@@ -3369,7 +3371,7 @@
           <a:p>
             <a:fld id="{06F2191C-CA17-441C-B38F-B6F09A58AE12}" type="datetimeFigureOut">
               <a:rPr lang="en-US" smtClean="0"/>
-              <a:t>7/22/2024</a:t>
+              <a:t>7/30/2024</a:t>
             </a:fld>
             <a:endParaRPr lang="en-US"/>
           </a:p>
@@ -3876,7 +3878,7 @@
           <p:cNvPr id="2" name="Title 1">
             <a:extLst>
               <a:ext uri="{FF2B5EF4-FFF2-40B4-BE49-F238E27FC236}">
-                <a16:creationId xmlns:a16="http://schemas.microsoft.com/office/drawing/2014/main" id="{2F5339FA-186D-47CC-2DF7-B651F05F8001}"/>
+                <a16:creationId xmlns:a16="http://schemas.microsoft.com/office/drawing/2014/main" id="{4964290D-00D9-C636-9F99-6D81002312D2}"/>
               </a:ext>
             </a:extLst>
           </p:cNvPr>
@@ -3890,13 +3892,13 @@
         <p:spPr/>
         <p:txBody>
           <a:bodyPr>
-            <a:normAutofit fontScale="90000"/>
+            <a:normAutofit/>
           </a:bodyPr>
           <a:lstStyle/>
           <a:p>
             <a:r>
               <a:rPr lang="en-US" dirty="0"/>
-              <a:t>What is optimal combination of initial training and resampling sizes in early-stage documentation?</a:t>
+              <a:t>Do early-stage documentation efforts produce sufficient data for effective AL? </a:t>
             </a:r>
           </a:p>
         </p:txBody>
@@ -3906,7 +3908,7 @@
           <p:cNvPr id="3" name="Content Placeholder 2">
             <a:extLst>
               <a:ext uri="{FF2B5EF4-FFF2-40B4-BE49-F238E27FC236}">
-                <a16:creationId xmlns:a16="http://schemas.microsoft.com/office/drawing/2014/main" id="{7B1BC6EF-7555-04E0-E297-657D3CC90183}"/>
+                <a16:creationId xmlns:a16="http://schemas.microsoft.com/office/drawing/2014/main" id="{5E438FDF-0E1B-8F6C-5BF5-666D53DD73A3}"/>
               </a:ext>
             </a:extLst>
           </p:cNvPr>
@@ -3919,104 +3921,53 @@
         </p:nvSpPr>
         <p:spPr/>
         <p:txBody>
-          <a:bodyPr>
-            <a:normAutofit fontScale="85000" lnSpcReduction="10000"/>
-          </a:bodyPr>
-          <a:lstStyle/>
-          <a:p>
-            <a:r>
-              <a:rPr lang="en-US" dirty="0"/>
-              <a:t>All languages. Three languages only early-stage.</a:t>
-            </a:r>
-          </a:p>
-          <a:p>
-            <a:r>
-              <a:rPr lang="en-US" b="1" dirty="0"/>
-              <a:t>Method</a:t>
-            </a:r>
-            <a:r>
-              <a:rPr lang="en-US" dirty="0"/>
-              <a:t>: train with various initial sizes, add various resampling batches from non-human oracles, test variations on identical set of unseen tokens</a:t>
+          <a:bodyPr/>
+          <a:lstStyle/>
+          <a:p>
+            <a:r>
+              <a:rPr lang="en-US" dirty="0"/>
+              <a:t>Early stage – initial documentary project, often from linguists working on graduate degrees</a:t>
+            </a:r>
+          </a:p>
+          <a:p>
+            <a:r>
+              <a:rPr lang="en-US" dirty="0"/>
+              <a:t>Typically produces</a:t>
             </a:r>
           </a:p>
           <a:p>
             <a:pPr lvl="1"/>
             <a:r>
               <a:rPr lang="en-US" dirty="0"/>
-              <a:t>Initial training sizes – chosen randomly</a:t>
-            </a:r>
-          </a:p>
-          <a:p>
-            <a:pPr lvl="2"/>
-            <a:r>
-              <a:rPr lang="en-US" dirty="0"/>
-              <a:t>50, 100 – (pilot shows these are not effective initial training sizes)</a:t>
-            </a:r>
-          </a:p>
-          <a:p>
-            <a:pPr lvl="2"/>
-            <a:r>
-              <a:rPr lang="en-US" dirty="0"/>
-              <a:t>[500, 1000, 1500]</a:t>
-            </a:r>
-          </a:p>
-          <a:p>
-            <a:pPr lvl="3"/>
-            <a:r>
-              <a:rPr lang="en-US" dirty="0"/>
-              <a:t>If time allows: 2000, 2500</a:t>
-            </a:r>
-          </a:p>
-          <a:p>
-            <a:pPr lvl="2"/>
-            <a:r>
-              <a:rPr lang="en-US" dirty="0"/>
-              <a:t>Stop resampling when total annotated data = 2500</a:t>
-            </a:r>
-          </a:p>
-          <a:p>
-            <a:pPr lvl="3"/>
-            <a:r>
-              <a:rPr lang="en-US" dirty="0"/>
-              <a:t>If time allows: Stop at 3000</a:t>
+              <a:t>Transcribed tokens: up to 10k</a:t>
             </a:r>
           </a:p>
           <a:p>
             <a:pPr lvl="1"/>
             <a:r>
               <a:rPr lang="en-US" dirty="0"/>
-              <a:t>Resampling iteration sizes – reasonable annotations amounts by one human annotator without excessive tiring</a:t>
-            </a:r>
-          </a:p>
-          <a:p>
-            <a:pPr lvl="2"/>
-            <a:r>
-              <a:rPr lang="en-US" dirty="0"/>
-              <a:t>[25, 50, 100, 250, 500]</a:t>
-            </a:r>
-          </a:p>
-          <a:p>
-            <a:r>
-              <a:rPr lang="en-US" dirty="0"/>
-              <a:t>Total models per language:</a:t>
-            </a:r>
-          </a:p>
-          <a:p>
-            <a:pPr lvl="2"/>
-            <a:r>
-              <a:rPr lang="en-US" dirty="0"/>
-              <a:t>If time allows: </a:t>
-            </a:r>
-          </a:p>
-          <a:p>
-            <a:endParaRPr lang="en-US" dirty="0"/>
+              <a:t>Annotated tokens: 2.5-5K</a:t>
+            </a:r>
+          </a:p>
+          <a:p>
+            <a:r>
+              <a:rPr lang="en-US" dirty="0"/>
+              <a:t>Presumably more data is annotated than is needed for basic grammar sketches</a:t>
+            </a:r>
+          </a:p>
+          <a:p>
+            <a:pPr lvl="1"/>
+            <a:r>
+              <a:rPr lang="en-US" dirty="0"/>
+              <a:t>Therefore, we assume 2.5-4K tokens is good stopping point for early-stage annotation</a:t>
+            </a:r>
           </a:p>
         </p:txBody>
       </p:sp>
     </p:spTree>
     <p:extLst>
       <p:ext uri="{BB962C8B-B14F-4D97-AF65-F5344CB8AC3E}">
-        <p14:creationId xmlns:p14="http://schemas.microsoft.com/office/powerpoint/2010/main" val="408909477"/>
+        <p14:creationId xmlns:p14="http://schemas.microsoft.com/office/powerpoint/2010/main" val="2030397183"/>
       </p:ext>
     </p:extLst>
   </p:cSld>
@@ -4048,7 +3999,7 @@
           <p:cNvPr id="2" name="Title 1">
             <a:extLst>
               <a:ext uri="{FF2B5EF4-FFF2-40B4-BE49-F238E27FC236}">
-                <a16:creationId xmlns:a16="http://schemas.microsoft.com/office/drawing/2014/main" id="{70A14145-A4D0-2407-8BD4-42232EE7A286}"/>
+                <a16:creationId xmlns:a16="http://schemas.microsoft.com/office/drawing/2014/main" id="{2F5339FA-186D-47CC-2DF7-B651F05F8001}"/>
               </a:ext>
             </a:extLst>
           </p:cNvPr>
@@ -4061,12 +4012,14 @@
         </p:nvSpPr>
         <p:spPr/>
         <p:txBody>
-          <a:bodyPr/>
-          <a:lstStyle/>
-          <a:p>
-            <a:r>
-              <a:rPr lang="en-US" dirty="0"/>
-              <a:t>Discussion of Preliminary work</a:t>
+          <a:bodyPr>
+            <a:normAutofit fontScale="90000"/>
+          </a:bodyPr>
+          <a:lstStyle/>
+          <a:p>
+            <a:r>
+              <a:rPr lang="en-US" dirty="0"/>
+              <a:t>What is optimal combination of initial training and resampling sizes in early-stage documentation?</a:t>
             </a:r>
           </a:p>
         </p:txBody>
@@ -4076,7 +4029,7 @@
           <p:cNvPr id="3" name="Content Placeholder 2">
             <a:extLst>
               <a:ext uri="{FF2B5EF4-FFF2-40B4-BE49-F238E27FC236}">
-                <a16:creationId xmlns:a16="http://schemas.microsoft.com/office/drawing/2014/main" id="{7B293BE8-0BB0-7670-8123-7D773125AD38}"/>
+                <a16:creationId xmlns:a16="http://schemas.microsoft.com/office/drawing/2014/main" id="{7B1BC6EF-7555-04E0-E297-657D3CC90183}"/>
               </a:ext>
             </a:extLst>
           </p:cNvPr>
@@ -4089,47 +4042,93 @@
         </p:nvSpPr>
         <p:spPr/>
         <p:txBody>
-          <a:bodyPr vert="horz" lIns="91440" tIns="45720" rIns="91440" bIns="45720" rtlCol="0" anchor="t">
-            <a:normAutofit/>
+          <a:bodyPr>
+            <a:normAutofit fontScale="85000" lnSpcReduction="10000"/>
           </a:bodyPr>
           <a:lstStyle/>
           <a:p>
             <a:r>
-              <a:rPr lang="en-US" sz="1800" dirty="0">
-                <a:effectLst/>
-                <a:latin typeface="Cambria"/>
-                <a:ea typeface="Cambria"/>
-                <a:cs typeface="Times New Roman"/>
-              </a:rPr>
-              <a:t>suggests that field linguists must manually annotate at least 1,000 tokens before expecting any benefit from MitL.</a:t>
-            </a:r>
-          </a:p>
-          <a:p>
-            <a:r>
-              <a:rPr lang="en-US" sz="1800" dirty="0">
-                <a:effectLst/>
-                <a:latin typeface="Cambria"/>
-                <a:ea typeface="Cambria"/>
-                <a:cs typeface="Times New Roman"/>
-              </a:rPr>
-              <a:t>The </a:t>
-            </a:r>
-            <a:r>
-              <a:rPr lang="en-US" sz="1800" dirty="0">
-                <a:latin typeface="Cambria"/>
-                <a:ea typeface="Cambria"/>
-                <a:cs typeface="Times New Roman"/>
-              </a:rPr>
-              <a:t>models</a:t>
-            </a:r>
-            <a:r>
-              <a:rPr lang="en-US" sz="1800" dirty="0">
-                <a:effectLst/>
-                <a:latin typeface="Cambria"/>
-                <a:ea typeface="Cambria"/>
-                <a:cs typeface="Times New Roman"/>
-              </a:rPr>
-              <a:t> trained on less 1,000 tokens underperform a model trained on at least 1,000 tokens even after the maximum iterations of resampling with uncertainty. Evidently, with less 1,000 annotated tokens, the model is still generally confused enough that the active learning offers to benefit. However, with a 1,000-token initial training set, actively adding 25 sampled tokens using uncertainty sampling will outperforms a randomly chosen 1,500-token training set.</a:t>
+              <a:rPr lang="en-US" dirty="0"/>
+              <a:t>All languages. Three languages only early-stage.</a:t>
+            </a:r>
+          </a:p>
+          <a:p>
+            <a:r>
+              <a:rPr lang="en-US" b="1" dirty="0"/>
+              <a:t>Method</a:t>
+            </a:r>
+            <a:r>
+              <a:rPr lang="en-US" dirty="0"/>
+              <a:t>: train with various initial sizes, add various resampling batches from non-human oracles, test variations on identical set of unseen tokens</a:t>
+            </a:r>
+          </a:p>
+          <a:p>
+            <a:pPr lvl="1"/>
+            <a:r>
+              <a:rPr lang="en-US" dirty="0"/>
+              <a:t>Initial training sizes – chosen randomly</a:t>
+            </a:r>
+          </a:p>
+          <a:p>
+            <a:pPr lvl="2"/>
+            <a:r>
+              <a:rPr lang="en-US" dirty="0"/>
+              <a:t>50, 100 – (pilot shows these are not effective initial training sizes)</a:t>
+            </a:r>
+          </a:p>
+          <a:p>
+            <a:pPr lvl="2"/>
+            <a:r>
+              <a:rPr lang="en-US" dirty="0"/>
+              <a:t>[500, 1000, 1500]</a:t>
+            </a:r>
+          </a:p>
+          <a:p>
+            <a:pPr lvl="3"/>
+            <a:r>
+              <a:rPr lang="en-US" dirty="0"/>
+              <a:t>If time allows: 2000, 2500</a:t>
+            </a:r>
+          </a:p>
+          <a:p>
+            <a:pPr lvl="2"/>
+            <a:r>
+              <a:rPr lang="en-US" dirty="0"/>
+              <a:t>Stop resampling when total annotated data = 2500</a:t>
+            </a:r>
+          </a:p>
+          <a:p>
+            <a:pPr lvl="3"/>
+            <a:r>
+              <a:rPr lang="en-US" dirty="0"/>
+              <a:t>If time allows: Stop at 3000</a:t>
+            </a:r>
+          </a:p>
+          <a:p>
+            <a:pPr lvl="1"/>
+            <a:r>
+              <a:rPr lang="en-US" dirty="0"/>
+              <a:t>Resampling iteration sizes – reasonable annotations amounts by one human annotator without excessive tiring</a:t>
+            </a:r>
+          </a:p>
+          <a:p>
+            <a:pPr lvl="2"/>
+            <a:r>
+              <a:rPr lang="en-US" dirty="0"/>
+              <a:t>[25, 50, 100, 250, 500]</a:t>
+            </a:r>
+          </a:p>
+          <a:p>
+            <a:r>
+              <a:rPr lang="en-US" dirty="0"/>
+              <a:t>Total models per language:</a:t>
+            </a:r>
+          </a:p>
+          <a:p>
+            <a:pPr lvl="2"/>
+            <a:r>
+              <a:rPr lang="en-US" dirty="0"/>
+              <a:t>If time allows: </a:t>
             </a:r>
           </a:p>
           <a:p>
@@ -4140,7 +4139,7 @@
     </p:spTree>
     <p:extLst>
       <p:ext uri="{BB962C8B-B14F-4D97-AF65-F5344CB8AC3E}">
-        <p14:creationId xmlns:p14="http://schemas.microsoft.com/office/powerpoint/2010/main" val="3004382345"/>
+        <p14:creationId xmlns:p14="http://schemas.microsoft.com/office/powerpoint/2010/main" val="408909477"/>
       </p:ext>
     </p:extLst>
   </p:cSld>
@@ -4172,7 +4171,7 @@
           <p:cNvPr id="2" name="Title 1">
             <a:extLst>
               <a:ext uri="{FF2B5EF4-FFF2-40B4-BE49-F238E27FC236}">
-                <a16:creationId xmlns:a16="http://schemas.microsoft.com/office/drawing/2014/main" id="{4964290D-00D9-C636-9F99-6D81002312D2}"/>
+                <a16:creationId xmlns:a16="http://schemas.microsoft.com/office/drawing/2014/main" id="{70A14145-A4D0-2407-8BD4-42232EE7A286}"/>
               </a:ext>
             </a:extLst>
           </p:cNvPr>
@@ -4185,86 +4184,86 @@
         </p:nvSpPr>
         <p:spPr/>
         <p:txBody>
-          <a:bodyPr>
+          <a:bodyPr/>
+          <a:lstStyle/>
+          <a:p>
+            <a:r>
+              <a:rPr lang="en-US" dirty="0"/>
+              <a:t>Discussion of Preliminary work</a:t>
+            </a:r>
+          </a:p>
+        </p:txBody>
+      </p:sp>
+      <p:sp>
+        <p:nvSpPr>
+          <p:cNvPr id="3" name="Content Placeholder 2">
+            <a:extLst>
+              <a:ext uri="{FF2B5EF4-FFF2-40B4-BE49-F238E27FC236}">
+                <a16:creationId xmlns:a16="http://schemas.microsoft.com/office/drawing/2014/main" id="{7B293BE8-0BB0-7670-8123-7D773125AD38}"/>
+              </a:ext>
+            </a:extLst>
+          </p:cNvPr>
+          <p:cNvSpPr>
+            <a:spLocks noGrp="1"/>
+          </p:cNvSpPr>
+          <p:nvPr>
+            <p:ph idx="1"/>
+          </p:nvPr>
+        </p:nvSpPr>
+        <p:spPr/>
+        <p:txBody>
+          <a:bodyPr vert="horz" lIns="91440" tIns="45720" rIns="91440" bIns="45720" rtlCol="0" anchor="t">
             <a:normAutofit/>
           </a:bodyPr>
           <a:lstStyle/>
           <a:p>
             <a:r>
-              <a:rPr lang="en-US" dirty="0"/>
-              <a:t>Do late-stage documentation efforts produce sufficient data for effective AL? </a:t>
-            </a:r>
-          </a:p>
-        </p:txBody>
-      </p:sp>
-      <p:sp>
-        <p:nvSpPr>
-          <p:cNvPr id="3" name="Content Placeholder 2">
-            <a:extLst>
-              <a:ext uri="{FF2B5EF4-FFF2-40B4-BE49-F238E27FC236}">
-                <a16:creationId xmlns:a16="http://schemas.microsoft.com/office/drawing/2014/main" id="{5E438FDF-0E1B-8F6C-5BF5-666D53DD73A3}"/>
-              </a:ext>
-            </a:extLst>
-          </p:cNvPr>
-          <p:cNvSpPr>
-            <a:spLocks noGrp="1"/>
-          </p:cNvSpPr>
-          <p:nvPr>
-            <p:ph idx="1"/>
-          </p:nvPr>
-        </p:nvSpPr>
-        <p:spPr/>
-        <p:txBody>
-          <a:bodyPr>
-            <a:normAutofit/>
-          </a:bodyPr>
-          <a:lstStyle/>
-          <a:p>
-            <a:r>
-              <a:rPr lang="en-US" dirty="0"/>
-              <a:t>Late-stage documentary efforts increase annotations gradually over time by career academics</a:t>
-            </a:r>
-          </a:p>
-          <a:p>
-            <a:pPr lvl="1"/>
-            <a:r>
-              <a:rPr lang="en-US" dirty="0"/>
-              <a:t>May be over decades because of limited time and funding, which limits effectiveness for community development as well as scientific discovery</a:t>
-            </a:r>
-          </a:p>
-          <a:p>
-            <a:pPr lvl="1"/>
-            <a:r>
-              <a:rPr lang="en-US" dirty="0"/>
-              <a:t>Transcribed tokens: up to 300k, but typically 25-50k</a:t>
-            </a:r>
-          </a:p>
-          <a:p>
-            <a:pPr lvl="1"/>
-            <a:r>
-              <a:rPr lang="en-US" dirty="0"/>
-              <a:t>Annotated tokens: 10-100k, but typically are 10-15K</a:t>
-            </a:r>
-          </a:p>
-          <a:p>
-            <a:r>
-              <a:rPr lang="en-US" dirty="0"/>
-              <a:t>Again, presumably more is annotated than needed for in depth scientific analysis</a:t>
-            </a:r>
-          </a:p>
-          <a:p>
-            <a:pPr lvl="1"/>
-            <a:r>
-              <a:rPr lang="en-US" dirty="0"/>
-              <a:t>We assume 12.5k tokens sufficient for mid- or late-stage documentation</a:t>
-            </a:r>
+              <a:rPr lang="en-US" sz="1800" dirty="0">
+                <a:effectLst/>
+                <a:latin typeface="Cambria"/>
+                <a:ea typeface="Cambria"/>
+                <a:cs typeface="Times New Roman"/>
+              </a:rPr>
+              <a:t>suggests that field linguists must manually annotate at least 1,000 tokens before expecting any benefit from MitL.</a:t>
+            </a:r>
+          </a:p>
+          <a:p>
+            <a:r>
+              <a:rPr lang="en-US" sz="1800" dirty="0">
+                <a:effectLst/>
+                <a:latin typeface="Cambria"/>
+                <a:ea typeface="Cambria"/>
+                <a:cs typeface="Times New Roman"/>
+              </a:rPr>
+              <a:t>The </a:t>
+            </a:r>
+            <a:r>
+              <a:rPr lang="en-US" sz="1800" dirty="0">
+                <a:latin typeface="Cambria"/>
+                <a:ea typeface="Cambria"/>
+                <a:cs typeface="Times New Roman"/>
+              </a:rPr>
+              <a:t>models</a:t>
+            </a:r>
+            <a:r>
+              <a:rPr lang="en-US" sz="1800" dirty="0">
+                <a:effectLst/>
+                <a:latin typeface="Cambria"/>
+                <a:ea typeface="Cambria"/>
+                <a:cs typeface="Times New Roman"/>
+              </a:rPr>
+              <a:t> trained on less 1,000 tokens underperform a model trained on at least 1,000 tokens even after the maximum iterations of resampling with uncertainty. Evidently, with less 1,000 annotated tokens, the model is still generally confused enough that the active learning offers to benefit. However, with a 1,000-token initial training set, actively adding 25 sampled tokens using uncertainty sampling will outperforms a randomly chosen 1,500-token training set.</a:t>
+            </a:r>
+          </a:p>
+          <a:p>
+            <a:endParaRPr lang="en-US" dirty="0"/>
           </a:p>
         </p:txBody>
       </p:sp>
     </p:spTree>
     <p:extLst>
       <p:ext uri="{BB962C8B-B14F-4D97-AF65-F5344CB8AC3E}">
-        <p14:creationId xmlns:p14="http://schemas.microsoft.com/office/powerpoint/2010/main" val="3339385313"/>
+        <p14:creationId xmlns:p14="http://schemas.microsoft.com/office/powerpoint/2010/main" val="3004382345"/>
       </p:ext>
     </p:extLst>
   </p:cSld>
@@ -4296,6 +4295,130 @@
           <p:cNvPr id="2" name="Title 1">
             <a:extLst>
               <a:ext uri="{FF2B5EF4-FFF2-40B4-BE49-F238E27FC236}">
+                <a16:creationId xmlns:a16="http://schemas.microsoft.com/office/drawing/2014/main" id="{4964290D-00D9-C636-9F99-6D81002312D2}"/>
+              </a:ext>
+            </a:extLst>
+          </p:cNvPr>
+          <p:cNvSpPr>
+            <a:spLocks noGrp="1"/>
+          </p:cNvSpPr>
+          <p:nvPr>
+            <p:ph type="title"/>
+          </p:nvPr>
+        </p:nvSpPr>
+        <p:spPr/>
+        <p:txBody>
+          <a:bodyPr>
+            <a:normAutofit/>
+          </a:bodyPr>
+          <a:lstStyle/>
+          <a:p>
+            <a:r>
+              <a:rPr lang="en-US" dirty="0"/>
+              <a:t>Do late-stage documentation efforts produce sufficient data for effective AL? </a:t>
+            </a:r>
+          </a:p>
+        </p:txBody>
+      </p:sp>
+      <p:sp>
+        <p:nvSpPr>
+          <p:cNvPr id="3" name="Content Placeholder 2">
+            <a:extLst>
+              <a:ext uri="{FF2B5EF4-FFF2-40B4-BE49-F238E27FC236}">
+                <a16:creationId xmlns:a16="http://schemas.microsoft.com/office/drawing/2014/main" id="{5E438FDF-0E1B-8F6C-5BF5-666D53DD73A3}"/>
+              </a:ext>
+            </a:extLst>
+          </p:cNvPr>
+          <p:cNvSpPr>
+            <a:spLocks noGrp="1"/>
+          </p:cNvSpPr>
+          <p:nvPr>
+            <p:ph idx="1"/>
+          </p:nvPr>
+        </p:nvSpPr>
+        <p:spPr/>
+        <p:txBody>
+          <a:bodyPr>
+            <a:normAutofit/>
+          </a:bodyPr>
+          <a:lstStyle/>
+          <a:p>
+            <a:r>
+              <a:rPr lang="en-US" dirty="0"/>
+              <a:t>Late-stage documentary efforts increase annotations gradually over time by career academics</a:t>
+            </a:r>
+          </a:p>
+          <a:p>
+            <a:pPr lvl="1"/>
+            <a:r>
+              <a:rPr lang="en-US" dirty="0"/>
+              <a:t>May be over decades because of limited time and funding, which limits effectiveness for community development as well as scientific discovery</a:t>
+            </a:r>
+          </a:p>
+          <a:p>
+            <a:pPr lvl="1"/>
+            <a:r>
+              <a:rPr lang="en-US" dirty="0"/>
+              <a:t>Transcribed tokens: up to 300k, but typically 25-50k</a:t>
+            </a:r>
+          </a:p>
+          <a:p>
+            <a:pPr lvl="1"/>
+            <a:r>
+              <a:rPr lang="en-US" dirty="0"/>
+              <a:t>Annotated tokens: 10-100k, but typically are 10-15K</a:t>
+            </a:r>
+          </a:p>
+          <a:p>
+            <a:r>
+              <a:rPr lang="en-US" dirty="0"/>
+              <a:t>Again, presumably more is annotated than needed for in depth scientific analysis</a:t>
+            </a:r>
+          </a:p>
+          <a:p>
+            <a:pPr lvl="1"/>
+            <a:r>
+              <a:rPr lang="en-US" dirty="0"/>
+              <a:t>We assume 12.5k tokens sufficient for mid- or late-stage documentation</a:t>
+            </a:r>
+          </a:p>
+        </p:txBody>
+      </p:sp>
+    </p:spTree>
+    <p:extLst>
+      <p:ext uri="{BB962C8B-B14F-4D97-AF65-F5344CB8AC3E}">
+        <p14:creationId xmlns:p14="http://schemas.microsoft.com/office/powerpoint/2010/main" val="3339385313"/>
+      </p:ext>
+    </p:extLst>
+  </p:cSld>
+  <p:clrMapOvr>
+    <a:masterClrMapping/>
+  </p:clrMapOvr>
+</p:sld>
+</file>
+
+<file path=ppt/slides/slide14.xml><?xml version="1.0" encoding="utf-8"?>
+<p:sld xmlns:a="http://schemas.openxmlformats.org/drawingml/2006/main" xmlns:r="http://schemas.openxmlformats.org/officeDocument/2006/relationships" xmlns:p="http://schemas.openxmlformats.org/presentationml/2006/main">
+  <p:cSld>
+    <p:spTree>
+      <p:nvGrpSpPr>
+        <p:cNvPr id="1" name=""/>
+        <p:cNvGrpSpPr/>
+        <p:nvPr/>
+      </p:nvGrpSpPr>
+      <p:grpSpPr>
+        <a:xfrm>
+          <a:off x="0" y="0"/>
+          <a:ext cx="0" cy="0"/>
+          <a:chOff x="0" y="0"/>
+          <a:chExt cx="0" cy="0"/>
+        </a:xfrm>
+      </p:grpSpPr>
+      <p:sp>
+        <p:nvSpPr>
+          <p:cNvPr id="2" name="Title 1">
+            <a:extLst>
+              <a:ext uri="{FF2B5EF4-FFF2-40B4-BE49-F238E27FC236}">
                 <a16:creationId xmlns:a16="http://schemas.microsoft.com/office/drawing/2014/main" id="{2F5339FA-186D-47CC-2DF7-B651F05F8001}"/>
               </a:ext>
             </a:extLst>
@@ -4421,7 +4544,7 @@
 </p:sld>
 </file>
 
-<file path=ppt/slides/slide14.xml><?xml version="1.0" encoding="utf-8"?>
+<file path=ppt/slides/slide15.xml><?xml version="1.0" encoding="utf-8"?>
 <p:sld xmlns:a="http://schemas.openxmlformats.org/drawingml/2006/main" xmlns:r="http://schemas.openxmlformats.org/officeDocument/2006/relationships" xmlns:p="http://schemas.openxmlformats.org/presentationml/2006/main">
   <p:cSld>
     <p:spTree>
@@ -5573,7 +5696,7 @@
           <p:cNvPr id="2" name="Title 1">
             <a:extLst>
               <a:ext uri="{FF2B5EF4-FFF2-40B4-BE49-F238E27FC236}">
-                <a16:creationId xmlns:a16="http://schemas.microsoft.com/office/drawing/2014/main" id="{4964290D-00D9-C636-9F99-6D81002312D2}"/>
+                <a16:creationId xmlns:a16="http://schemas.microsoft.com/office/drawing/2014/main" id="{F18D8FF7-6C7F-80D0-755C-83091AC7BA10}"/>
               </a:ext>
             </a:extLst>
           </p:cNvPr>
@@ -5586,14 +5709,12 @@
         </p:nvSpPr>
         <p:spPr/>
         <p:txBody>
-          <a:bodyPr>
-            <a:normAutofit/>
-          </a:bodyPr>
-          <a:lstStyle/>
-          <a:p>
-            <a:r>
-              <a:rPr lang="en-US" dirty="0"/>
-              <a:t>Do early-stage documentation efforts produce sufficient data for effective AL? </a:t>
+          <a:bodyPr/>
+          <a:lstStyle/>
+          <a:p>
+            <a:r>
+              <a:rPr lang="en-US" dirty="0"/>
+              <a:t>Sampling Methods</a:t>
             </a:r>
           </a:p>
         </p:txBody>
@@ -5603,7 +5724,7 @@
           <p:cNvPr id="3" name="Content Placeholder 2">
             <a:extLst>
               <a:ext uri="{FF2B5EF4-FFF2-40B4-BE49-F238E27FC236}">
-                <a16:creationId xmlns:a16="http://schemas.microsoft.com/office/drawing/2014/main" id="{5E438FDF-0E1B-8F6C-5BF5-666D53DD73A3}"/>
+                <a16:creationId xmlns:a16="http://schemas.microsoft.com/office/drawing/2014/main" id="{EC35BAB8-D4B5-5B8A-62DF-0BA35345341F}"/>
               </a:ext>
             </a:extLst>
           </p:cNvPr>
@@ -5621,40 +5742,43 @@
           <a:p>
             <a:r>
               <a:rPr lang="en-US" dirty="0"/>
-              <a:t>Early stage – initial documentary project, often from linguists working on graduate degrees</a:t>
-            </a:r>
-          </a:p>
-          <a:p>
-            <a:r>
-              <a:rPr lang="en-US" dirty="0"/>
-              <a:t>Typically produces</a:t>
+              <a:t>Combination of </a:t>
             </a:r>
           </a:p>
           <a:p>
             <a:pPr lvl="1"/>
             <a:r>
               <a:rPr lang="en-US" dirty="0"/>
-              <a:t>Transcribed tokens: up to 10k</a:t>
-            </a:r>
+              <a:t>Diversity Sampling</a:t>
+            </a:r>
+          </a:p>
+          <a:p>
+            <a:pPr lvl="2"/>
+            <a:r>
+              <a:rPr lang="en-US" dirty="0"/>
+              <a:t>Cluster-based sampling – to capture meaningful trends in smaller or irregular classes, not just most numerous classes, or </a:t>
+            </a:r>
+          </a:p>
+          <a:p>
+            <a:pPr lvl="2"/>
+            <a:r>
+              <a:rPr lang="en-US"/>
+              <a:t>Model-based sampling - sampling for low activation in your logits and hidden layers to find items that are confusing to your model because of lack of information</a:t>
+            </a:r>
+            <a:endParaRPr lang="en-US" dirty="0"/>
           </a:p>
           <a:p>
             <a:pPr lvl="1"/>
             <a:r>
               <a:rPr lang="en-US" dirty="0"/>
-              <a:t>Annotated tokens: 2.5-5K</a:t>
-            </a:r>
-          </a:p>
-          <a:p>
-            <a:r>
-              <a:rPr lang="en-US" dirty="0"/>
-              <a:t>Presumably more data is annotated than is needed for basic grammar sketches</a:t>
-            </a:r>
-          </a:p>
-          <a:p>
-            <a:pPr lvl="1"/>
-            <a:r>
-              <a:rPr lang="en-US" dirty="0"/>
-              <a:t>Therefore, we assume 2.5-4K tokens is good stopping point for early-stage annotation</a:t>
+              <a:t>Uncertainty Sampling</a:t>
+            </a:r>
+          </a:p>
+          <a:p>
+            <a:pPr lvl="2"/>
+            <a:r>
+              <a:rPr lang="en-US" dirty="0"/>
+              <a:t>Least confidence – to look where the model is most confused</a:t>
             </a:r>
           </a:p>
         </p:txBody>
@@ -5662,7 +5786,7 @@
     </p:spTree>
     <p:extLst>
       <p:ext uri="{BB962C8B-B14F-4D97-AF65-F5344CB8AC3E}">
-        <p14:creationId xmlns:p14="http://schemas.microsoft.com/office/powerpoint/2010/main" val="2030397183"/>
+        <p14:creationId xmlns:p14="http://schemas.microsoft.com/office/powerpoint/2010/main" val="1515501663"/>
       </p:ext>
     </p:extLst>
   </p:cSld>
